--- a/Wprowadzenie do algorytmów/III. Wprowadzenie do algorytmów/Metoda lewej ręki.pptx
+++ b/Wprowadzenie do algorytmów/III. Wprowadzenie do algorytmów/Metoda lewej ręki.pptx
@@ -241,7 +241,7 @@
             <a:fld id="{EB805E2A-9810-454C-B7D3-8470ADBDD20E}" type="datetimeFigureOut">
               <a:rPr lang="pl-PL" smtClean="0"/>
               <a:pPr/>
-              <a:t>07.05.2018</a:t>
+              <a:t>11.11.2018</a:t>
             </a:fld>
             <a:endParaRPr lang="pl-PL"/>
           </a:p>
@@ -1000,7 +1000,7 @@
             <a:fld id="{6F059BED-48B2-4440-8476-F4EA9B94403E}" type="datetimeFigureOut">
               <a:rPr lang="pl-PL" smtClean="0"/>
               <a:pPr/>
-              <a:t>07.05.2018</a:t>
+              <a:t>11.11.2018</a:t>
             </a:fld>
             <a:endParaRPr lang="pl-PL"/>
           </a:p>
@@ -1200,7 +1200,7 @@
             <a:fld id="{6F059BED-48B2-4440-8476-F4EA9B94403E}" type="datetimeFigureOut">
               <a:rPr lang="pl-PL" smtClean="0"/>
               <a:pPr/>
-              <a:t>07.05.2018</a:t>
+              <a:t>11.11.2018</a:t>
             </a:fld>
             <a:endParaRPr lang="pl-PL"/>
           </a:p>
@@ -1410,7 +1410,7 @@
             <a:fld id="{6F059BED-48B2-4440-8476-F4EA9B94403E}" type="datetimeFigureOut">
               <a:rPr lang="pl-PL" smtClean="0"/>
               <a:pPr/>
-              <a:t>07.05.2018</a:t>
+              <a:t>11.11.2018</a:t>
             </a:fld>
             <a:endParaRPr lang="pl-PL"/>
           </a:p>
@@ -1610,7 +1610,7 @@
             <a:fld id="{6F059BED-48B2-4440-8476-F4EA9B94403E}" type="datetimeFigureOut">
               <a:rPr lang="pl-PL" smtClean="0"/>
               <a:pPr/>
-              <a:t>07.05.2018</a:t>
+              <a:t>11.11.2018</a:t>
             </a:fld>
             <a:endParaRPr lang="pl-PL"/>
           </a:p>
@@ -1887,7 +1887,7 @@
             <a:fld id="{6F059BED-48B2-4440-8476-F4EA9B94403E}" type="datetimeFigureOut">
               <a:rPr lang="pl-PL" smtClean="0"/>
               <a:pPr/>
-              <a:t>07.05.2018</a:t>
+              <a:t>11.11.2018</a:t>
             </a:fld>
             <a:endParaRPr lang="pl-PL"/>
           </a:p>
@@ -2154,7 +2154,7 @@
             <a:fld id="{6F059BED-48B2-4440-8476-F4EA9B94403E}" type="datetimeFigureOut">
               <a:rPr lang="pl-PL" smtClean="0"/>
               <a:pPr/>
-              <a:t>07.05.2018</a:t>
+              <a:t>11.11.2018</a:t>
             </a:fld>
             <a:endParaRPr lang="pl-PL"/>
           </a:p>
@@ -2568,7 +2568,7 @@
             <a:fld id="{6F059BED-48B2-4440-8476-F4EA9B94403E}" type="datetimeFigureOut">
               <a:rPr lang="pl-PL" smtClean="0"/>
               <a:pPr/>
-              <a:t>07.05.2018</a:t>
+              <a:t>11.11.2018</a:t>
             </a:fld>
             <a:endParaRPr lang="pl-PL"/>
           </a:p>
@@ -2711,7 +2711,7 @@
             <a:fld id="{6F059BED-48B2-4440-8476-F4EA9B94403E}" type="datetimeFigureOut">
               <a:rPr lang="pl-PL" smtClean="0"/>
               <a:pPr/>
-              <a:t>07.05.2018</a:t>
+              <a:t>11.11.2018</a:t>
             </a:fld>
             <a:endParaRPr lang="pl-PL"/>
           </a:p>
@@ -2826,7 +2826,7 @@
             <a:fld id="{6F059BED-48B2-4440-8476-F4EA9B94403E}" type="datetimeFigureOut">
               <a:rPr lang="pl-PL" smtClean="0"/>
               <a:pPr/>
-              <a:t>07.05.2018</a:t>
+              <a:t>11.11.2018</a:t>
             </a:fld>
             <a:endParaRPr lang="pl-PL"/>
           </a:p>
@@ -3139,7 +3139,7 @@
             <a:fld id="{6F059BED-48B2-4440-8476-F4EA9B94403E}" type="datetimeFigureOut">
               <a:rPr lang="pl-PL" smtClean="0"/>
               <a:pPr/>
-              <a:t>07.05.2018</a:t>
+              <a:t>11.11.2018</a:t>
             </a:fld>
             <a:endParaRPr lang="pl-PL"/>
           </a:p>
@@ -3429,7 +3429,7 @@
             <a:fld id="{6F059BED-48B2-4440-8476-F4EA9B94403E}" type="datetimeFigureOut">
               <a:rPr lang="pl-PL" smtClean="0"/>
               <a:pPr/>
-              <a:t>07.05.2018</a:t>
+              <a:t>11.11.2018</a:t>
             </a:fld>
             <a:endParaRPr lang="pl-PL"/>
           </a:p>
@@ -3672,7 +3672,7 @@
             <a:fld id="{6F059BED-48B2-4440-8476-F4EA9B94403E}" type="datetimeFigureOut">
               <a:rPr lang="pl-PL" smtClean="0"/>
               <a:pPr/>
-              <a:t>07.05.2018</a:t>
+              <a:t>11.11.2018</a:t>
             </a:fld>
             <a:endParaRPr lang="pl-PL"/>
           </a:p>
@@ -10096,7 +10096,7 @@
         </p:spPr>
         <p:txBody>
           <a:bodyPr>
-            <a:normAutofit fontScale="92500"/>
+            <a:normAutofit/>
           </a:bodyPr>
           <a:lstStyle/>
           <a:p>
@@ -10121,12 +10121,6 @@
             <a:r>
               <a:rPr lang="pl-PL" dirty="0"/>
               <a:t>Poruszamy się tak, by nie odrywać ręki od ściany. Z tego wynika, że dozwolone są tylko dwie akcje – krok naprzód i obrót o 90 stopni.</a:t>
-            </a:r>
-          </a:p>
-          <a:p>
-            <a:r>
-              <a:rPr lang="pl-PL" strike="sngStrike" dirty="0"/>
-              <a:t>Jeżeli labirynt jest spójny (zbudowany z jednego muru), to zawsze znajdziemy wyjście.</a:t>
             </a:r>
           </a:p>
         </p:txBody>

--- a/Wprowadzenie do algorytmów/III. Wprowadzenie do algorytmów/Metoda lewej ręki.pptx
+++ b/Wprowadzenie do algorytmów/III. Wprowadzenie do algorytmów/Metoda lewej ręki.pptx
@@ -5,7 +5,7 @@
     <p:sldMasterId id="2147483648" r:id="rId1"/>
   </p:sldMasterIdLst>
   <p:notesMasterIdLst>
-    <p:notesMasterId r:id="rId35"/>
+    <p:notesMasterId r:id="rId36"/>
   </p:notesMasterIdLst>
   <p:sldIdLst>
     <p:sldId id="256" r:id="rId2"/>
@@ -40,7 +40,8 @@
     <p:sldId id="295" r:id="rId31"/>
     <p:sldId id="299" r:id="rId32"/>
     <p:sldId id="300" r:id="rId33"/>
-    <p:sldId id="296" r:id="rId34"/>
+    <p:sldId id="301" r:id="rId34"/>
+    <p:sldId id="296" r:id="rId35"/>
   </p:sldIdLst>
   <p:sldSz cx="12192000" cy="6858000"/>
   <p:notesSz cx="6858000" cy="9144000"/>
@@ -241,7 +242,7 @@
             <a:fld id="{EB805E2A-9810-454C-B7D3-8470ADBDD20E}" type="datetimeFigureOut">
               <a:rPr lang="pl-PL" smtClean="0"/>
               <a:pPr/>
-              <a:t>11.11.2018</a:t>
+              <a:t>27.06.2019</a:t>
             </a:fld>
             <a:endParaRPr lang="pl-PL"/>
           </a:p>
@@ -1000,7 +1001,7 @@
             <a:fld id="{6F059BED-48B2-4440-8476-F4EA9B94403E}" type="datetimeFigureOut">
               <a:rPr lang="pl-PL" smtClean="0"/>
               <a:pPr/>
-              <a:t>11.11.2018</a:t>
+              <a:t>27.06.2019</a:t>
             </a:fld>
             <a:endParaRPr lang="pl-PL"/>
           </a:p>
@@ -1200,7 +1201,7 @@
             <a:fld id="{6F059BED-48B2-4440-8476-F4EA9B94403E}" type="datetimeFigureOut">
               <a:rPr lang="pl-PL" smtClean="0"/>
               <a:pPr/>
-              <a:t>11.11.2018</a:t>
+              <a:t>27.06.2019</a:t>
             </a:fld>
             <a:endParaRPr lang="pl-PL"/>
           </a:p>
@@ -1410,7 +1411,7 @@
             <a:fld id="{6F059BED-48B2-4440-8476-F4EA9B94403E}" type="datetimeFigureOut">
               <a:rPr lang="pl-PL" smtClean="0"/>
               <a:pPr/>
-              <a:t>11.11.2018</a:t>
+              <a:t>27.06.2019</a:t>
             </a:fld>
             <a:endParaRPr lang="pl-PL"/>
           </a:p>
@@ -1610,7 +1611,7 @@
             <a:fld id="{6F059BED-48B2-4440-8476-F4EA9B94403E}" type="datetimeFigureOut">
               <a:rPr lang="pl-PL" smtClean="0"/>
               <a:pPr/>
-              <a:t>11.11.2018</a:t>
+              <a:t>27.06.2019</a:t>
             </a:fld>
             <a:endParaRPr lang="pl-PL"/>
           </a:p>
@@ -1887,7 +1888,7 @@
             <a:fld id="{6F059BED-48B2-4440-8476-F4EA9B94403E}" type="datetimeFigureOut">
               <a:rPr lang="pl-PL" smtClean="0"/>
               <a:pPr/>
-              <a:t>11.11.2018</a:t>
+              <a:t>27.06.2019</a:t>
             </a:fld>
             <a:endParaRPr lang="pl-PL"/>
           </a:p>
@@ -2154,7 +2155,7 @@
             <a:fld id="{6F059BED-48B2-4440-8476-F4EA9B94403E}" type="datetimeFigureOut">
               <a:rPr lang="pl-PL" smtClean="0"/>
               <a:pPr/>
-              <a:t>11.11.2018</a:t>
+              <a:t>27.06.2019</a:t>
             </a:fld>
             <a:endParaRPr lang="pl-PL"/>
           </a:p>
@@ -2568,7 +2569,7 @@
             <a:fld id="{6F059BED-48B2-4440-8476-F4EA9B94403E}" type="datetimeFigureOut">
               <a:rPr lang="pl-PL" smtClean="0"/>
               <a:pPr/>
-              <a:t>11.11.2018</a:t>
+              <a:t>27.06.2019</a:t>
             </a:fld>
             <a:endParaRPr lang="pl-PL"/>
           </a:p>
@@ -2711,7 +2712,7 @@
             <a:fld id="{6F059BED-48B2-4440-8476-F4EA9B94403E}" type="datetimeFigureOut">
               <a:rPr lang="pl-PL" smtClean="0"/>
               <a:pPr/>
-              <a:t>11.11.2018</a:t>
+              <a:t>27.06.2019</a:t>
             </a:fld>
             <a:endParaRPr lang="pl-PL"/>
           </a:p>
@@ -2826,7 +2827,7 @@
             <a:fld id="{6F059BED-48B2-4440-8476-F4EA9B94403E}" type="datetimeFigureOut">
               <a:rPr lang="pl-PL" smtClean="0"/>
               <a:pPr/>
-              <a:t>11.11.2018</a:t>
+              <a:t>27.06.2019</a:t>
             </a:fld>
             <a:endParaRPr lang="pl-PL"/>
           </a:p>
@@ -3139,7 +3140,7 @@
             <a:fld id="{6F059BED-48B2-4440-8476-F4EA9B94403E}" type="datetimeFigureOut">
               <a:rPr lang="pl-PL" smtClean="0"/>
               <a:pPr/>
-              <a:t>11.11.2018</a:t>
+              <a:t>27.06.2019</a:t>
             </a:fld>
             <a:endParaRPr lang="pl-PL"/>
           </a:p>
@@ -3429,7 +3430,7 @@
             <a:fld id="{6F059BED-48B2-4440-8476-F4EA9B94403E}" type="datetimeFigureOut">
               <a:rPr lang="pl-PL" smtClean="0"/>
               <a:pPr/>
-              <a:t>11.11.2018</a:t>
+              <a:t>27.06.2019</a:t>
             </a:fld>
             <a:endParaRPr lang="pl-PL"/>
           </a:p>
@@ -3672,7 +3673,7 @@
             <a:fld id="{6F059BED-48B2-4440-8476-F4EA9B94403E}" type="datetimeFigureOut">
               <a:rPr lang="pl-PL" smtClean="0"/>
               <a:pPr/>
-              <a:t>11.11.2018</a:t>
+              <a:t>27.06.2019</a:t>
             </a:fld>
             <a:endParaRPr lang="pl-PL"/>
           </a:p>
@@ -19298,6 +19299,250 @@
           <a:p>
             <a:r>
               <a:rPr lang="pl-PL" dirty="0"/>
+              <a:t>Rozwiązanie alternatywne</a:t>
+            </a:r>
+          </a:p>
+        </p:txBody>
+      </p:sp>
+      <p:sp>
+        <p:nvSpPr>
+          <p:cNvPr id="3" name="Symbol zastępczy zawartości 2">
+            <a:extLst>
+              <a:ext uri="{FF2B5EF4-FFF2-40B4-BE49-F238E27FC236}">
+                <a16:creationId xmlns:a16="http://schemas.microsoft.com/office/drawing/2014/main" id="{2D4E38BE-A086-4846-93F7-71AE8AF53243}"/>
+              </a:ext>
+            </a:extLst>
+          </p:cNvPr>
+          <p:cNvSpPr>
+            <a:spLocks noGrp="1"/>
+          </p:cNvSpPr>
+          <p:nvPr>
+            <p:ph idx="1"/>
+          </p:nvPr>
+        </p:nvSpPr>
+        <p:spPr>
+          <a:xfrm>
+            <a:off x="838200" y="2057400"/>
+            <a:ext cx="10629900" cy="3871762"/>
+          </a:xfrm>
+        </p:spPr>
+        <p:txBody>
+          <a:bodyPr>
+            <a:normAutofit/>
+          </a:bodyPr>
+          <a:lstStyle/>
+          <a:p>
+            <a:pPr marL="571500" indent="-571500">
+              <a:spcBef>
+                <a:spcPts val="1800"/>
+              </a:spcBef>
+              <a:buFont typeface="+mj-lt"/>
+              <a:buAutoNum type="romanUcPeriod"/>
+            </a:pPr>
+            <a:r>
+              <a:rPr lang="pl-PL" sz="3200" dirty="0"/>
+              <a:t>Badamy w której z dwóch sytuacji się znajdujemy</a:t>
+            </a:r>
+          </a:p>
+          <a:p>
+            <a:pPr marL="1028700" lvl="1" indent="-571500">
+              <a:spcBef>
+                <a:spcPts val="1800"/>
+              </a:spcBef>
+              <a:buFont typeface="+mj-lt"/>
+              <a:buAutoNum type="arabicPeriod"/>
+            </a:pPr>
+            <a:r>
+              <a:rPr lang="pl-PL" sz="2800" dirty="0"/>
+              <a:t>Jeżeli </a:t>
+            </a:r>
+            <a:r>
+              <a:rPr lang="pl-PL" sz="2800" dirty="0">
+                <a:solidFill>
+                  <a:schemeClr val="accent6"/>
+                </a:solidFill>
+              </a:rPr>
+              <a:t>jest droga w lewo</a:t>
+            </a:r>
+            <a:r>
+              <a:rPr lang="pl-PL" sz="2800" dirty="0"/>
+              <a:t> – wykonujemy</a:t>
+            </a:r>
+            <a:r>
+              <a:rPr lang="pl-PL" sz="2800" dirty="0">
+                <a:solidFill>
+                  <a:srgbClr val="FF0000"/>
+                </a:solidFill>
+              </a:rPr>
+              <a:t> skręt w lewo i krok naprzód</a:t>
+            </a:r>
+          </a:p>
+          <a:p>
+            <a:pPr marL="1028700" lvl="1" indent="-571500">
+              <a:spcBef>
+                <a:spcPts val="1800"/>
+              </a:spcBef>
+              <a:buFont typeface="+mj-lt"/>
+              <a:buAutoNum type="arabicPeriod"/>
+            </a:pPr>
+            <a:r>
+              <a:rPr lang="pl-PL" sz="2800" dirty="0"/>
+              <a:t>W przeciwnym wypadku (</a:t>
+            </a:r>
+            <a:r>
+              <a:rPr lang="pl-PL" sz="2800" dirty="0">
+                <a:solidFill>
+                  <a:schemeClr val="accent6"/>
+                </a:solidFill>
+              </a:rPr>
+              <a:t>nie ma drogi w lewo</a:t>
+            </a:r>
+            <a:r>
+              <a:rPr lang="pl-PL" sz="2800" dirty="0"/>
+              <a:t>) – wykonujemy </a:t>
+            </a:r>
+            <a:r>
+              <a:rPr lang="pl-PL" sz="2800" dirty="0">
+                <a:solidFill>
+                  <a:srgbClr val="FF0000"/>
+                </a:solidFill>
+              </a:rPr>
+              <a:t>skręt w prawo</a:t>
+            </a:r>
+          </a:p>
+          <a:p>
+            <a:pPr marL="571500" indent="-571500">
+              <a:spcBef>
+                <a:spcPts val="1800"/>
+              </a:spcBef>
+              <a:buFont typeface="+mj-lt"/>
+              <a:buAutoNum type="romanUcPeriod"/>
+            </a:pPr>
+            <a:r>
+              <a:rPr lang="pl-PL" sz="3200" dirty="0"/>
+              <a:t>Powtarzamy punkt I. aż do znalezienia wyjścia z labiryntu</a:t>
+            </a:r>
+          </a:p>
+        </p:txBody>
+      </p:sp>
+    </p:spTree>
+    <p:extLst>
+      <p:ext uri="{BB962C8B-B14F-4D97-AF65-F5344CB8AC3E}">
+        <p14:creationId xmlns:p14="http://schemas.microsoft.com/office/powerpoint/2010/main" val="2971745142"/>
+      </p:ext>
+    </p:extLst>
+  </p:cSld>
+  <p:clrMapOvr>
+    <a:masterClrMapping/>
+  </p:clrMapOvr>
+</p:sld>
+</file>
+
+<file path=ppt/slides/slide34.xml><?xml version="1.0" encoding="utf-8"?>
+<p:sld xmlns:a="http://schemas.openxmlformats.org/drawingml/2006/main" xmlns:r="http://schemas.openxmlformats.org/officeDocument/2006/relationships" xmlns:p="http://schemas.openxmlformats.org/presentationml/2006/main">
+  <p:cSld>
+    <p:spTree>
+      <p:nvGrpSpPr>
+        <p:cNvPr id="1" name=""/>
+        <p:cNvGrpSpPr/>
+        <p:nvPr/>
+      </p:nvGrpSpPr>
+      <p:grpSpPr>
+        <a:xfrm>
+          <a:off x="0" y="0"/>
+          <a:ext cx="0" cy="0"/>
+          <a:chOff x="0" y="0"/>
+          <a:chExt cx="0" cy="0"/>
+        </a:xfrm>
+      </p:grpSpPr>
+      <p:sp>
+        <p:nvSpPr>
+          <p:cNvPr id="34" name="Rectangle 33"/>
+          <p:cNvSpPr>
+            <a:spLocks noGrp="1" noRot="1" noChangeAspect="1" noMove="1" noResize="1" noEditPoints="1" noAdjustHandles="1" noChangeArrowheads="1" noChangeShapeType="1" noTextEdit="1"/>
+          </p:cNvSpPr>
+          <p:nvPr>
+            <p:extLst>
+              <p:ext uri="{386F3935-93C4-4BCD-93E2-E3B085C9AB24}">
+                <p16:designElem xmlns:p16="http://schemas.microsoft.com/office/powerpoint/2015/main" val="1"/>
+              </p:ext>
+            </p:extLst>
+          </p:nvPr>
+        </p:nvSpPr>
+        <p:spPr bwMode="ltGray">
+          <a:xfrm>
+            <a:off x="321564" y="320040"/>
+            <a:ext cx="11548872" cy="6217920"/>
+          </a:xfrm>
+          <a:prstGeom prst="rect">
+            <a:avLst/>
+          </a:prstGeom>
+          <a:solidFill>
+            <a:schemeClr val="tx1">
+              <a:alpha val="10000"/>
+            </a:schemeClr>
+          </a:solidFill>
+          <a:ln w="127000" cap="sq" cmpd="thinThick">
+            <a:solidFill>
+              <a:schemeClr val="bg2"/>
+            </a:solidFill>
+          </a:ln>
+        </p:spPr>
+        <p:style>
+          <a:lnRef idx="2">
+            <a:schemeClr val="accent1">
+              <a:shade val="50000"/>
+            </a:schemeClr>
+          </a:lnRef>
+          <a:fillRef idx="1">
+            <a:schemeClr val="accent1"/>
+          </a:fillRef>
+          <a:effectRef idx="0">
+            <a:schemeClr val="accent1"/>
+          </a:effectRef>
+          <a:fontRef idx="minor">
+            <a:schemeClr val="lt1"/>
+          </a:fontRef>
+        </p:style>
+        <p:txBody>
+          <a:bodyPr rtlCol="0" anchor="ctr"/>
+          <a:lstStyle/>
+          <a:p>
+            <a:pPr algn="ctr"/>
+            <a:endParaRPr lang="en-US"/>
+          </a:p>
+        </p:txBody>
+      </p:sp>
+      <p:sp>
+        <p:nvSpPr>
+          <p:cNvPr id="2" name="Tytuł 1">
+            <a:extLst>
+              <a:ext uri="{FF2B5EF4-FFF2-40B4-BE49-F238E27FC236}">
+                <a16:creationId xmlns:a16="http://schemas.microsoft.com/office/drawing/2014/main" id="{6EAC2436-81E9-413D-86AC-F40E9125F65B}"/>
+              </a:ext>
+            </a:extLst>
+          </p:cNvPr>
+          <p:cNvSpPr>
+            <a:spLocks noGrp="1"/>
+          </p:cNvSpPr>
+          <p:nvPr>
+            <p:ph type="title"/>
+          </p:nvPr>
+        </p:nvSpPr>
+        <p:spPr>
+          <a:xfrm>
+            <a:off x="838200" y="631825"/>
+            <a:ext cx="10515600" cy="1325563"/>
+          </a:xfrm>
+        </p:spPr>
+        <p:txBody>
+          <a:bodyPr>
+            <a:normAutofit/>
+          </a:bodyPr>
+          <a:lstStyle/>
+          <a:p>
+            <a:r>
+              <a:rPr lang="pl-PL" dirty="0"/>
               <a:t>Źródła</a:t>
             </a:r>
           </a:p>
